--- a/HandsOn/Group08/presentacion.pptx
+++ b/HandsOn/Group08/presentacion.pptx
@@ -18,19 +18,23 @@
     <p:sldId id="263" r:id="rId12"/>
     <p:sldId id="264" r:id="rId13"/>
     <p:sldId id="265" r:id="rId14"/>
+    <p:sldId id="266" r:id="rId15"/>
+    <p:sldId id="267" r:id="rId16"/>
+    <p:sldId id="268" r:id="rId17"/>
+    <p:sldId id="269" r:id="rId18"/>
   </p:sldIdLst>
   <p:sldSz cy="5143500" cx="9144000"/>
   <p:notesSz cx="6858000" cy="9144000"/>
   <p:embeddedFontLst>
     <p:embeddedFont>
       <p:font typeface="Source Code Pro"/>
-      <p:regular r:id="rId15"/>
-      <p:bold r:id="rId16"/>
+      <p:regular r:id="rId19"/>
+      <p:bold r:id="rId20"/>
     </p:embeddedFont>
     <p:embeddedFont>
       <p:font typeface="Oswald"/>
-      <p:regular r:id="rId17"/>
-      <p:bold r:id="rId18"/>
+      <p:regular r:id="rId21"/>
+      <p:bold r:id="rId22"/>
     </p:embeddedFont>
   </p:embeddedFontLst>
   <p:defaultTextStyle>
@@ -505,7 +509,7 @@
   <p:cSld>
     <p:spTree>
       <p:nvGrpSpPr>
-        <p:cNvPr id="124" name="Shape 124"/>
+        <p:cNvPr id="126" name="Shape 126"/>
         <p:cNvGrpSpPr/>
         <p:nvPr/>
       </p:nvGrpSpPr>
@@ -519,7 +523,7 @@
       </p:grpSpPr>
       <p:sp>
         <p:nvSpPr>
-          <p:cNvPr id="125" name="Shape 125"/>
+          <p:cNvPr id="127" name="Shape 127"/>
           <p:cNvSpPr/>
           <p:nvPr>
             <p:ph idx="2" type="sldImg"/>
@@ -553,7 +557,102 @@
       </p:sp>
       <p:sp>
         <p:nvSpPr>
-          <p:cNvPr id="126" name="Shape 126"/>
+          <p:cNvPr id="128" name="Shape 128"/>
+          <p:cNvSpPr txBox="1"/>
+          <p:nvPr>
+            <p:ph idx="1" type="body"/>
+          </p:nvPr>
+        </p:nvSpPr>
+        <p:spPr>
+          <a:xfrm>
+            <a:off x="685800" y="4343400"/>
+            <a:ext cx="5486400" cy="4114800"/>
+          </a:xfrm>
+          <a:prstGeom prst="rect">
+            <a:avLst/>
+          </a:prstGeom>
+        </p:spPr>
+        <p:txBody>
+          <a:bodyPr anchorCtr="0" anchor="t" bIns="91425" lIns="91425" rIns="91425" wrap="square" tIns="91425">
+            <a:noAutofit/>
+          </a:bodyPr>
+          <a:lstStyle/>
+          <a:p>
+            <a:pPr indent="0" lvl="0" marL="0" rtl="0">
+              <a:spcBef>
+                <a:spcPts val="0"/>
+              </a:spcBef>
+              <a:buNone/>
+            </a:pPr>
+            <a:r>
+              <a:t/>
+            </a:r>
+            <a:endParaRPr/>
+          </a:p>
+        </p:txBody>
+      </p:sp>
+    </p:spTree>
+  </p:cSld>
+  <p:clrMapOvr>
+    <a:masterClrMapping/>
+  </p:clrMapOvr>
+</p:notes>
+</file>
+
+<file path=ppt/notesSlides/notesSlide11.xml><?xml version="1.0" encoding="utf-8"?>
+<p:notes xmlns:a="http://schemas.openxmlformats.org/drawingml/2006/main" xmlns:r="http://schemas.openxmlformats.org/officeDocument/2006/relationships" xmlns:mc="http://schemas.openxmlformats.org/markup-compatibility/2006" xmlns:mv="urn:schemas-microsoft-com:mac:vml" xmlns:p="http://schemas.openxmlformats.org/presentationml/2006/main" xmlns:c="http://schemas.openxmlformats.org/drawingml/2006/chart" xmlns:dgm="http://schemas.openxmlformats.org/drawingml/2006/diagram" xmlns:o="urn:schemas-microsoft-com:office:office" xmlns:v="urn:schemas-microsoft-com:vml" xmlns:pvml="urn:schemas-microsoft-com:office:powerpoint" xmlns:com="http://schemas.openxmlformats.org/drawingml/2006/compatibility" xmlns:p14="http://schemas.microsoft.com/office/powerpoint/2010/main" xmlns:p15="http://schemas.microsoft.com/office/powerpoint/2012/main" showMasterPhAnim="0" showMasterSp="0">
+  <p:cSld>
+    <p:spTree>
+      <p:nvGrpSpPr>
+        <p:cNvPr id="132" name="Shape 132"/>
+        <p:cNvGrpSpPr/>
+        <p:nvPr/>
+      </p:nvGrpSpPr>
+      <p:grpSpPr>
+        <a:xfrm>
+          <a:off x="0" y="0"/>
+          <a:ext cx="0" cy="0"/>
+          <a:chOff x="0" y="0"/>
+          <a:chExt cx="0" cy="0"/>
+        </a:xfrm>
+      </p:grpSpPr>
+      <p:sp>
+        <p:nvSpPr>
+          <p:cNvPr id="133" name="Shape 133"/>
+          <p:cNvSpPr/>
+          <p:nvPr>
+            <p:ph idx="2" type="sldImg"/>
+          </p:nvPr>
+        </p:nvSpPr>
+        <p:spPr>
+          <a:xfrm>
+            <a:off x="381300" y="685800"/>
+            <a:ext cx="6096000" cy="3429000"/>
+          </a:xfrm>
+          <a:custGeom>
+            <a:pathLst>
+              <a:path extrusionOk="0" h="120000" w="120000">
+                <a:moveTo>
+                  <a:pt x="0" y="0"/>
+                </a:moveTo>
+                <a:lnTo>
+                  <a:pt x="120000" y="0"/>
+                </a:lnTo>
+                <a:lnTo>
+                  <a:pt x="120000" y="120000"/>
+                </a:lnTo>
+                <a:lnTo>
+                  <a:pt x="0" y="120000"/>
+                </a:lnTo>
+                <a:close/>
+              </a:path>
+            </a:pathLst>
+          </a:custGeom>
+        </p:spPr>
+      </p:sp>
+      <p:sp>
+        <p:nvSpPr>
+          <p:cNvPr id="134" name="Shape 134"/>
           <p:cNvSpPr txBox="1"/>
           <p:nvPr>
             <p:ph idx="1" type="body"/>
@@ -575,6 +674,291 @@
           <a:lstStyle/>
           <a:p>
             <a:pPr indent="0" lvl="0" marL="0">
+              <a:spcBef>
+                <a:spcPts val="0"/>
+              </a:spcBef>
+              <a:buNone/>
+            </a:pPr>
+            <a:r>
+              <a:t/>
+            </a:r>
+            <a:endParaRPr/>
+          </a:p>
+        </p:txBody>
+      </p:sp>
+    </p:spTree>
+  </p:cSld>
+  <p:clrMapOvr>
+    <a:masterClrMapping/>
+  </p:clrMapOvr>
+</p:notes>
+</file>
+
+<file path=ppt/notesSlides/notesSlide12.xml><?xml version="1.0" encoding="utf-8"?>
+<p:notes xmlns:a="http://schemas.openxmlformats.org/drawingml/2006/main" xmlns:r="http://schemas.openxmlformats.org/officeDocument/2006/relationships" xmlns:mc="http://schemas.openxmlformats.org/markup-compatibility/2006" xmlns:mv="urn:schemas-microsoft-com:mac:vml" xmlns:p="http://schemas.openxmlformats.org/presentationml/2006/main" xmlns:c="http://schemas.openxmlformats.org/drawingml/2006/chart" xmlns:dgm="http://schemas.openxmlformats.org/drawingml/2006/diagram" xmlns:o="urn:schemas-microsoft-com:office:office" xmlns:v="urn:schemas-microsoft-com:vml" xmlns:pvml="urn:schemas-microsoft-com:office:powerpoint" xmlns:com="http://schemas.openxmlformats.org/drawingml/2006/compatibility" xmlns:p14="http://schemas.microsoft.com/office/powerpoint/2010/main" xmlns:p15="http://schemas.microsoft.com/office/powerpoint/2012/main" showMasterPhAnim="0" showMasterSp="0">
+  <p:cSld>
+    <p:spTree>
+      <p:nvGrpSpPr>
+        <p:cNvPr id="139" name="Shape 139"/>
+        <p:cNvGrpSpPr/>
+        <p:nvPr/>
+      </p:nvGrpSpPr>
+      <p:grpSpPr>
+        <a:xfrm>
+          <a:off x="0" y="0"/>
+          <a:ext cx="0" cy="0"/>
+          <a:chOff x="0" y="0"/>
+          <a:chExt cx="0" cy="0"/>
+        </a:xfrm>
+      </p:grpSpPr>
+      <p:sp>
+        <p:nvSpPr>
+          <p:cNvPr id="140" name="Shape 140"/>
+          <p:cNvSpPr/>
+          <p:nvPr>
+            <p:ph idx="2" type="sldImg"/>
+          </p:nvPr>
+        </p:nvSpPr>
+        <p:spPr>
+          <a:xfrm>
+            <a:off x="381300" y="685800"/>
+            <a:ext cx="6096000" cy="3429000"/>
+          </a:xfrm>
+          <a:custGeom>
+            <a:pathLst>
+              <a:path extrusionOk="0" h="120000" w="120000">
+                <a:moveTo>
+                  <a:pt x="0" y="0"/>
+                </a:moveTo>
+                <a:lnTo>
+                  <a:pt x="120000" y="0"/>
+                </a:lnTo>
+                <a:lnTo>
+                  <a:pt x="120000" y="120000"/>
+                </a:lnTo>
+                <a:lnTo>
+                  <a:pt x="0" y="120000"/>
+                </a:lnTo>
+                <a:close/>
+              </a:path>
+            </a:pathLst>
+          </a:custGeom>
+        </p:spPr>
+      </p:sp>
+      <p:sp>
+        <p:nvSpPr>
+          <p:cNvPr id="141" name="Shape 141"/>
+          <p:cNvSpPr txBox="1"/>
+          <p:nvPr>
+            <p:ph idx="1" type="body"/>
+          </p:nvPr>
+        </p:nvSpPr>
+        <p:spPr>
+          <a:xfrm>
+            <a:off x="685800" y="4343400"/>
+            <a:ext cx="5486400" cy="4114800"/>
+          </a:xfrm>
+          <a:prstGeom prst="rect">
+            <a:avLst/>
+          </a:prstGeom>
+        </p:spPr>
+        <p:txBody>
+          <a:bodyPr anchorCtr="0" anchor="t" bIns="91425" lIns="91425" rIns="91425" wrap="square" tIns="91425">
+            <a:noAutofit/>
+          </a:bodyPr>
+          <a:lstStyle/>
+          <a:p>
+            <a:pPr indent="0" lvl="0" marL="0">
+              <a:spcBef>
+                <a:spcPts val="0"/>
+              </a:spcBef>
+              <a:buNone/>
+            </a:pPr>
+            <a:r>
+              <a:t/>
+            </a:r>
+            <a:endParaRPr/>
+          </a:p>
+        </p:txBody>
+      </p:sp>
+    </p:spTree>
+  </p:cSld>
+  <p:clrMapOvr>
+    <a:masterClrMapping/>
+  </p:clrMapOvr>
+</p:notes>
+</file>
+
+<file path=ppt/notesSlides/notesSlide13.xml><?xml version="1.0" encoding="utf-8"?>
+<p:notes xmlns:a="http://schemas.openxmlformats.org/drawingml/2006/main" xmlns:r="http://schemas.openxmlformats.org/officeDocument/2006/relationships" xmlns:mc="http://schemas.openxmlformats.org/markup-compatibility/2006" xmlns:mv="urn:schemas-microsoft-com:mac:vml" xmlns:p="http://schemas.openxmlformats.org/presentationml/2006/main" xmlns:c="http://schemas.openxmlformats.org/drawingml/2006/chart" xmlns:dgm="http://schemas.openxmlformats.org/drawingml/2006/diagram" xmlns:o="urn:schemas-microsoft-com:office:office" xmlns:v="urn:schemas-microsoft-com:vml" xmlns:pvml="urn:schemas-microsoft-com:office:powerpoint" xmlns:com="http://schemas.openxmlformats.org/drawingml/2006/compatibility" xmlns:p14="http://schemas.microsoft.com/office/powerpoint/2010/main" xmlns:p15="http://schemas.microsoft.com/office/powerpoint/2012/main" showMasterPhAnim="0" showMasterSp="0">
+  <p:cSld>
+    <p:spTree>
+      <p:nvGrpSpPr>
+        <p:cNvPr id="146" name="Shape 146"/>
+        <p:cNvGrpSpPr/>
+        <p:nvPr/>
+      </p:nvGrpSpPr>
+      <p:grpSpPr>
+        <a:xfrm>
+          <a:off x="0" y="0"/>
+          <a:ext cx="0" cy="0"/>
+          <a:chOff x="0" y="0"/>
+          <a:chExt cx="0" cy="0"/>
+        </a:xfrm>
+      </p:grpSpPr>
+      <p:sp>
+        <p:nvSpPr>
+          <p:cNvPr id="147" name="Shape 147"/>
+          <p:cNvSpPr/>
+          <p:nvPr>
+            <p:ph idx="2" type="sldImg"/>
+          </p:nvPr>
+        </p:nvSpPr>
+        <p:spPr>
+          <a:xfrm>
+            <a:off x="381188" y="685800"/>
+            <a:ext cx="6096300" cy="3429000"/>
+          </a:xfrm>
+          <a:custGeom>
+            <a:pathLst>
+              <a:path extrusionOk="0" h="120000" w="120000">
+                <a:moveTo>
+                  <a:pt x="0" y="0"/>
+                </a:moveTo>
+                <a:lnTo>
+                  <a:pt x="120000" y="0"/>
+                </a:lnTo>
+                <a:lnTo>
+                  <a:pt x="120000" y="120000"/>
+                </a:lnTo>
+                <a:lnTo>
+                  <a:pt x="0" y="120000"/>
+                </a:lnTo>
+                <a:close/>
+              </a:path>
+            </a:pathLst>
+          </a:custGeom>
+        </p:spPr>
+      </p:sp>
+      <p:sp>
+        <p:nvSpPr>
+          <p:cNvPr id="148" name="Shape 148"/>
+          <p:cNvSpPr txBox="1"/>
+          <p:nvPr>
+            <p:ph idx="1" type="body"/>
+          </p:nvPr>
+        </p:nvSpPr>
+        <p:spPr>
+          <a:xfrm>
+            <a:off x="685800" y="4343400"/>
+            <a:ext cx="5486400" cy="4114800"/>
+          </a:xfrm>
+          <a:prstGeom prst="rect">
+            <a:avLst/>
+          </a:prstGeom>
+        </p:spPr>
+        <p:txBody>
+          <a:bodyPr anchorCtr="0" anchor="t" bIns="91425" lIns="91425" rIns="91425" wrap="square" tIns="91425">
+            <a:noAutofit/>
+          </a:bodyPr>
+          <a:lstStyle/>
+          <a:p>
+            <a:pPr indent="0" lvl="0" marL="0">
+              <a:spcBef>
+                <a:spcPts val="0"/>
+              </a:spcBef>
+              <a:buNone/>
+            </a:pPr>
+            <a:r>
+              <a:t/>
+            </a:r>
+            <a:endParaRPr/>
+          </a:p>
+        </p:txBody>
+      </p:sp>
+    </p:spTree>
+  </p:cSld>
+  <p:clrMapOvr>
+    <a:masterClrMapping/>
+  </p:clrMapOvr>
+</p:notes>
+</file>
+
+<file path=ppt/notesSlides/notesSlide14.xml><?xml version="1.0" encoding="utf-8"?>
+<p:notes xmlns:a="http://schemas.openxmlformats.org/drawingml/2006/main" xmlns:r="http://schemas.openxmlformats.org/officeDocument/2006/relationships" xmlns:mc="http://schemas.openxmlformats.org/markup-compatibility/2006" xmlns:mv="urn:schemas-microsoft-com:mac:vml" xmlns:p="http://schemas.openxmlformats.org/presentationml/2006/main" xmlns:c="http://schemas.openxmlformats.org/drawingml/2006/chart" xmlns:dgm="http://schemas.openxmlformats.org/drawingml/2006/diagram" xmlns:o="urn:schemas-microsoft-com:office:office" xmlns:v="urn:schemas-microsoft-com:vml" xmlns:pvml="urn:schemas-microsoft-com:office:powerpoint" xmlns:com="http://schemas.openxmlformats.org/drawingml/2006/compatibility" xmlns:p14="http://schemas.microsoft.com/office/powerpoint/2010/main" xmlns:p15="http://schemas.microsoft.com/office/powerpoint/2012/main" showMasterPhAnim="0" showMasterSp="0">
+  <p:cSld>
+    <p:spTree>
+      <p:nvGrpSpPr>
+        <p:cNvPr id="151" name="Shape 151"/>
+        <p:cNvGrpSpPr/>
+        <p:nvPr/>
+      </p:nvGrpSpPr>
+      <p:grpSpPr>
+        <a:xfrm>
+          <a:off x="0" y="0"/>
+          <a:ext cx="0" cy="0"/>
+          <a:chOff x="0" y="0"/>
+          <a:chExt cx="0" cy="0"/>
+        </a:xfrm>
+      </p:grpSpPr>
+      <p:sp>
+        <p:nvSpPr>
+          <p:cNvPr id="152" name="Shape 152"/>
+          <p:cNvSpPr/>
+          <p:nvPr>
+            <p:ph idx="2" type="sldImg"/>
+          </p:nvPr>
+        </p:nvSpPr>
+        <p:spPr>
+          <a:xfrm>
+            <a:off x="381188" y="685800"/>
+            <a:ext cx="6096300" cy="3429000"/>
+          </a:xfrm>
+          <a:custGeom>
+            <a:pathLst>
+              <a:path extrusionOk="0" h="120000" w="120000">
+                <a:moveTo>
+                  <a:pt x="0" y="0"/>
+                </a:moveTo>
+                <a:lnTo>
+                  <a:pt x="120000" y="0"/>
+                </a:lnTo>
+                <a:lnTo>
+                  <a:pt x="120000" y="120000"/>
+                </a:lnTo>
+                <a:lnTo>
+                  <a:pt x="0" y="120000"/>
+                </a:lnTo>
+                <a:close/>
+              </a:path>
+            </a:pathLst>
+          </a:custGeom>
+        </p:spPr>
+      </p:sp>
+      <p:sp>
+        <p:nvSpPr>
+          <p:cNvPr id="153" name="Shape 153"/>
+          <p:cNvSpPr txBox="1"/>
+          <p:nvPr>
+            <p:ph idx="1" type="body"/>
+          </p:nvPr>
+        </p:nvSpPr>
+        <p:spPr>
+          <a:xfrm>
+            <a:off x="685800" y="4343400"/>
+            <a:ext cx="5486400" cy="4114800"/>
+          </a:xfrm>
+          <a:prstGeom prst="rect">
+            <a:avLst/>
+          </a:prstGeom>
+        </p:spPr>
+        <p:txBody>
+          <a:bodyPr anchorCtr="0" anchor="t" bIns="91425" lIns="91425" rIns="91425" wrap="square" tIns="91425">
+            <a:noAutofit/>
+          </a:bodyPr>
+          <a:lstStyle/>
+          <a:p>
+            <a:pPr indent="0" lvl="0" marL="0" rtl="0">
               <a:spcBef>
                 <a:spcPts val="0"/>
               </a:spcBef>
@@ -980,7 +1364,7 @@
   <p:cSld>
     <p:spTree>
       <p:nvGrpSpPr>
-        <p:cNvPr id="93" name="Shape 93"/>
+        <p:cNvPr id="94" name="Shape 94"/>
         <p:cNvGrpSpPr/>
         <p:nvPr/>
       </p:nvGrpSpPr>
@@ -994,7 +1378,7 @@
       </p:grpSpPr>
       <p:sp>
         <p:nvSpPr>
-          <p:cNvPr id="94" name="Shape 94"/>
+          <p:cNvPr id="95" name="Shape 95"/>
           <p:cNvSpPr/>
           <p:nvPr>
             <p:ph idx="2" type="sldImg"/>
@@ -1028,7 +1412,7 @@
       </p:sp>
       <p:sp>
         <p:nvSpPr>
-          <p:cNvPr id="95" name="Shape 95"/>
+          <p:cNvPr id="96" name="Shape 96"/>
           <p:cNvSpPr txBox="1"/>
           <p:nvPr>
             <p:ph idx="1" type="body"/>
@@ -1075,7 +1459,7 @@
   <p:cSld>
     <p:spTree>
       <p:nvGrpSpPr>
-        <p:cNvPr id="104" name="Shape 104"/>
+        <p:cNvPr id="105" name="Shape 105"/>
         <p:cNvGrpSpPr/>
         <p:nvPr/>
       </p:nvGrpSpPr>
@@ -1089,7 +1473,7 @@
       </p:grpSpPr>
       <p:sp>
         <p:nvSpPr>
-          <p:cNvPr id="105" name="Shape 105"/>
+          <p:cNvPr id="106" name="Shape 106"/>
           <p:cNvSpPr/>
           <p:nvPr>
             <p:ph idx="2" type="sldImg"/>
@@ -1123,7 +1507,7 @@
       </p:sp>
       <p:sp>
         <p:nvSpPr>
-          <p:cNvPr id="106" name="Shape 106"/>
+          <p:cNvPr id="107" name="Shape 107"/>
           <p:cNvSpPr txBox="1"/>
           <p:nvPr>
             <p:ph idx="1" type="body"/>
@@ -1170,7 +1554,7 @@
   <p:cSld>
     <p:spTree>
       <p:nvGrpSpPr>
-        <p:cNvPr id="111" name="Shape 111"/>
+        <p:cNvPr id="112" name="Shape 112"/>
         <p:cNvGrpSpPr/>
         <p:nvPr/>
       </p:nvGrpSpPr>
@@ -1184,7 +1568,7 @@
       </p:grpSpPr>
       <p:sp>
         <p:nvSpPr>
-          <p:cNvPr id="112" name="Shape 112"/>
+          <p:cNvPr id="113" name="Shape 113"/>
           <p:cNvSpPr/>
           <p:nvPr>
             <p:ph idx="2" type="sldImg"/>
@@ -1218,7 +1602,7 @@
       </p:sp>
       <p:sp>
         <p:nvSpPr>
-          <p:cNvPr id="113" name="Shape 113"/>
+          <p:cNvPr id="114" name="Shape 114"/>
           <p:cNvSpPr txBox="1"/>
           <p:nvPr>
             <p:ph idx="1" type="body"/>
@@ -1265,7 +1649,7 @@
   <p:cSld>
     <p:spTree>
       <p:nvGrpSpPr>
-        <p:cNvPr id="118" name="Shape 118"/>
+        <p:cNvPr id="119" name="Shape 119"/>
         <p:cNvGrpSpPr/>
         <p:nvPr/>
       </p:nvGrpSpPr>
@@ -1279,7 +1663,7 @@
       </p:grpSpPr>
       <p:sp>
         <p:nvSpPr>
-          <p:cNvPr id="119" name="Shape 119"/>
+          <p:cNvPr id="120" name="Shape 120"/>
           <p:cNvSpPr/>
           <p:nvPr>
             <p:ph idx="2" type="sldImg"/>
@@ -1287,8 +1671,8 @@
         </p:nvSpPr>
         <p:spPr>
           <a:xfrm>
-            <a:off x="381188" y="685800"/>
-            <a:ext cx="6096300" cy="3429000"/>
+            <a:off x="381300" y="685800"/>
+            <a:ext cx="6096000" cy="3429000"/>
           </a:xfrm>
           <a:custGeom>
             <a:pathLst>
@@ -1313,7 +1697,7 @@
       </p:sp>
       <p:sp>
         <p:nvSpPr>
-          <p:cNvPr id="120" name="Shape 120"/>
+          <p:cNvPr id="121" name="Shape 121"/>
           <p:cNvSpPr txBox="1"/>
           <p:nvPr>
             <p:ph idx="1" type="body"/>
@@ -1334,7 +1718,7 @@
           </a:bodyPr>
           <a:lstStyle/>
           <a:p>
-            <a:pPr indent="0" lvl="0" marL="0" rtl="0">
+            <a:pPr indent="0" lvl="0" marL="0">
               <a:spcBef>
                 <a:spcPts val="0"/>
               </a:spcBef>
@@ -5689,7 +6073,7 @@
   <p:cSld>
     <p:spTree>
       <p:nvGrpSpPr>
-        <p:cNvPr id="127" name="Shape 127"/>
+        <p:cNvPr id="129" name="Shape 129"/>
         <p:cNvGrpSpPr/>
         <p:nvPr/>
       </p:nvGrpSpPr>
@@ -5703,7 +6087,356 @@
       </p:grpSpPr>
       <p:sp>
         <p:nvSpPr>
-          <p:cNvPr id="128" name="Shape 128"/>
+          <p:cNvPr id="130" name="Shape 130"/>
+          <p:cNvSpPr txBox="1"/>
+          <p:nvPr>
+            <p:ph type="title"/>
+          </p:nvPr>
+        </p:nvSpPr>
+        <p:spPr>
+          <a:xfrm>
+            <a:off x="311700" y="228575"/>
+            <a:ext cx="8520600" cy="733500"/>
+          </a:xfrm>
+          <a:prstGeom prst="rect">
+            <a:avLst/>
+          </a:prstGeom>
+        </p:spPr>
+        <p:txBody>
+          <a:bodyPr anchorCtr="0" anchor="b" bIns="91425" lIns="91425" rIns="91425" wrap="square" tIns="91425">
+            <a:noAutofit/>
+          </a:bodyPr>
+          <a:lstStyle/>
+          <a:p>
+            <a:pPr indent="0" lvl="0" marL="0" rtl="0">
+              <a:spcBef>
+                <a:spcPts val="0"/>
+              </a:spcBef>
+              <a:buNone/>
+            </a:pPr>
+            <a:r>
+              <a:rPr lang="es"/>
+              <a:t>Data Linking</a:t>
+            </a:r>
+          </a:p>
+        </p:txBody>
+      </p:sp>
+      <p:sp>
+        <p:nvSpPr>
+          <p:cNvPr id="131" name="Shape 131"/>
+          <p:cNvSpPr txBox="1"/>
+          <p:nvPr/>
+        </p:nvSpPr>
+        <p:spPr>
+          <a:xfrm>
+            <a:off x="991675" y="2383775"/>
+            <a:ext cx="7566300" cy="1015200"/>
+          </a:xfrm>
+          <a:prstGeom prst="rect">
+            <a:avLst/>
+          </a:prstGeom>
+          <a:noFill/>
+          <a:ln>
+            <a:noFill/>
+          </a:ln>
+        </p:spPr>
+        <p:txBody>
+          <a:bodyPr anchorCtr="0" anchor="t" bIns="91425" lIns="91425" rIns="91425" wrap="square" tIns="91425">
+            <a:noAutofit/>
+          </a:bodyPr>
+          <a:lstStyle/>
+          <a:p>
+            <a:pPr indent="0" lvl="0" marL="0">
+              <a:spcBef>
+                <a:spcPts val="0"/>
+              </a:spcBef>
+              <a:buNone/>
+            </a:pPr>
+            <a:r>
+              <a:rPr lang="es" sz="3000"/>
+              <a:t>No columns of our data could be linked </a:t>
+            </a:r>
+          </a:p>
+        </p:txBody>
+      </p:sp>
+    </p:spTree>
+  </p:cSld>
+  <p:clrMapOvr>
+    <a:masterClrMapping/>
+  </p:clrMapOvr>
+</p:sld>
+</file>
+
+<file path=ppt/slides/slide11.xml><?xml version="1.0" encoding="utf-8"?>
+<p:sld xmlns:a="http://schemas.openxmlformats.org/drawingml/2006/main" xmlns:r="http://schemas.openxmlformats.org/officeDocument/2006/relationships" xmlns:mc="http://schemas.openxmlformats.org/markup-compatibility/2006" xmlns:mv="urn:schemas-microsoft-com:mac:vml" xmlns:p="http://schemas.openxmlformats.org/presentationml/2006/main" xmlns:c="http://schemas.openxmlformats.org/drawingml/2006/chart" xmlns:dgm="http://schemas.openxmlformats.org/drawingml/2006/diagram" xmlns:o="urn:schemas-microsoft-com:office:office" xmlns:v="urn:schemas-microsoft-com:vml" xmlns:pvml="urn:schemas-microsoft-com:office:powerpoint" xmlns:com="http://schemas.openxmlformats.org/drawingml/2006/compatibility" xmlns:p14="http://schemas.microsoft.com/office/powerpoint/2010/main" xmlns:p15="http://schemas.microsoft.com/office/powerpoint/2012/main">
+  <p:cSld>
+    <p:spTree>
+      <p:nvGrpSpPr>
+        <p:cNvPr id="135" name="Shape 135"/>
+        <p:cNvGrpSpPr/>
+        <p:nvPr/>
+      </p:nvGrpSpPr>
+      <p:grpSpPr>
+        <a:xfrm>
+          <a:off x="0" y="0"/>
+          <a:ext cx="0" cy="0"/>
+          <a:chOff x="0" y="0"/>
+          <a:chExt cx="0" cy="0"/>
+        </a:xfrm>
+      </p:grpSpPr>
+      <p:sp>
+        <p:nvSpPr>
+          <p:cNvPr id="136" name="Shape 136"/>
+          <p:cNvSpPr txBox="1"/>
+          <p:nvPr>
+            <p:ph type="title"/>
+          </p:nvPr>
+        </p:nvSpPr>
+        <p:spPr>
+          <a:xfrm>
+            <a:off x="311700" y="372500"/>
+            <a:ext cx="8520600" cy="733500"/>
+          </a:xfrm>
+          <a:prstGeom prst="rect">
+            <a:avLst/>
+          </a:prstGeom>
+        </p:spPr>
+        <p:txBody>
+          <a:bodyPr anchorCtr="0" anchor="b" bIns="91425" lIns="91425" rIns="91425" wrap="square" tIns="91425">
+            <a:noAutofit/>
+          </a:bodyPr>
+          <a:lstStyle/>
+          <a:p>
+            <a:pPr indent="0" lvl="0" marL="0">
+              <a:spcBef>
+                <a:spcPts val="0"/>
+              </a:spcBef>
+              <a:buNone/>
+            </a:pPr>
+            <a:r>
+              <a:rPr lang="es"/>
+              <a:t>AWS &amp; Virtuoso</a:t>
+            </a:r>
+          </a:p>
+        </p:txBody>
+      </p:sp>
+      <p:sp>
+        <p:nvSpPr>
+          <p:cNvPr id="137" name="Shape 137"/>
+          <p:cNvSpPr txBox="1"/>
+          <p:nvPr>
+            <p:ph idx="1" type="body"/>
+          </p:nvPr>
+        </p:nvSpPr>
+        <p:spPr>
+          <a:xfrm>
+            <a:off x="311700" y="1468825"/>
+            <a:ext cx="8520600" cy="3099900"/>
+          </a:xfrm>
+          <a:prstGeom prst="rect">
+            <a:avLst/>
+          </a:prstGeom>
+        </p:spPr>
+        <p:txBody>
+          <a:bodyPr anchorCtr="0" anchor="t" bIns="91425" lIns="91425" rIns="91425" wrap="square" tIns="91425">
+            <a:noAutofit/>
+          </a:bodyPr>
+          <a:lstStyle/>
+          <a:p>
+            <a:pPr indent="0" lvl="0" marL="0">
+              <a:spcBef>
+                <a:spcPts val="0"/>
+              </a:spcBef>
+              <a:buNone/>
+            </a:pPr>
+            <a:r>
+              <a:rPr lang="es"/>
+              <a:t>http://ec2-34-239-122-250.compute-1.amazonaws.com/sparql</a:t>
+            </a:r>
+          </a:p>
+        </p:txBody>
+      </p:sp>
+      <p:pic>
+        <p:nvPicPr>
+          <p:cNvPr id="138" name="Shape 138"/>
+          <p:cNvPicPr preferRelativeResize="0"/>
+          <p:nvPr/>
+        </p:nvPicPr>
+        <p:blipFill>
+          <a:blip r:embed="rId3">
+            <a:alphaModFix/>
+          </a:blip>
+          <a:stretch>
+            <a:fillRect/>
+          </a:stretch>
+        </p:blipFill>
+        <p:spPr>
+          <a:xfrm>
+            <a:off x="0" y="2154525"/>
+            <a:ext cx="9144001" cy="2918975"/>
+          </a:xfrm>
+          <a:prstGeom prst="rect">
+            <a:avLst/>
+          </a:prstGeom>
+          <a:noFill/>
+          <a:ln>
+            <a:noFill/>
+          </a:ln>
+        </p:spPr>
+      </p:pic>
+    </p:spTree>
+  </p:cSld>
+  <p:clrMapOvr>
+    <a:masterClrMapping/>
+  </p:clrMapOvr>
+</p:sld>
+</file>
+
+<file path=ppt/slides/slide12.xml><?xml version="1.0" encoding="utf-8"?>
+<p:sld xmlns:a="http://schemas.openxmlformats.org/drawingml/2006/main" xmlns:r="http://schemas.openxmlformats.org/officeDocument/2006/relationships" xmlns:mc="http://schemas.openxmlformats.org/markup-compatibility/2006" xmlns:mv="urn:schemas-microsoft-com:mac:vml" xmlns:p="http://schemas.openxmlformats.org/presentationml/2006/main" xmlns:c="http://schemas.openxmlformats.org/drawingml/2006/chart" xmlns:dgm="http://schemas.openxmlformats.org/drawingml/2006/diagram" xmlns:o="urn:schemas-microsoft-com:office:office" xmlns:v="urn:schemas-microsoft-com:vml" xmlns:pvml="urn:schemas-microsoft-com:office:powerpoint" xmlns:com="http://schemas.openxmlformats.org/drawingml/2006/compatibility" xmlns:p14="http://schemas.microsoft.com/office/powerpoint/2010/main" xmlns:p15="http://schemas.microsoft.com/office/powerpoint/2012/main">
+  <p:cSld>
+    <p:spTree>
+      <p:nvGrpSpPr>
+        <p:cNvPr id="142" name="Shape 142"/>
+        <p:cNvGrpSpPr/>
+        <p:nvPr/>
+      </p:nvGrpSpPr>
+      <p:grpSpPr>
+        <a:xfrm>
+          <a:off x="0" y="0"/>
+          <a:ext cx="0" cy="0"/>
+          <a:chOff x="0" y="0"/>
+          <a:chExt cx="0" cy="0"/>
+        </a:xfrm>
+      </p:grpSpPr>
+      <p:sp>
+        <p:nvSpPr>
+          <p:cNvPr id="143" name="Shape 143"/>
+          <p:cNvSpPr txBox="1"/>
+          <p:nvPr>
+            <p:ph type="title"/>
+          </p:nvPr>
+        </p:nvSpPr>
+        <p:spPr>
+          <a:xfrm>
+            <a:off x="311700" y="372500"/>
+            <a:ext cx="8520600" cy="733500"/>
+          </a:xfrm>
+          <a:prstGeom prst="rect">
+            <a:avLst/>
+          </a:prstGeom>
+        </p:spPr>
+        <p:txBody>
+          <a:bodyPr anchorCtr="0" anchor="b" bIns="91425" lIns="91425" rIns="91425" wrap="square" tIns="91425">
+            <a:noAutofit/>
+          </a:bodyPr>
+          <a:lstStyle/>
+          <a:p>
+            <a:pPr indent="0" lvl="0" marL="0">
+              <a:spcBef>
+                <a:spcPts val="0"/>
+              </a:spcBef>
+              <a:buNone/>
+            </a:pPr>
+            <a:r>
+              <a:rPr lang="es"/>
+              <a:t>Ontoology</a:t>
+            </a:r>
+          </a:p>
+        </p:txBody>
+      </p:sp>
+      <p:sp>
+        <p:nvSpPr>
+          <p:cNvPr id="144" name="Shape 144"/>
+          <p:cNvSpPr txBox="1"/>
+          <p:nvPr>
+            <p:ph idx="1" type="body"/>
+          </p:nvPr>
+        </p:nvSpPr>
+        <p:spPr>
+          <a:xfrm>
+            <a:off x="311700" y="1352200"/>
+            <a:ext cx="8520600" cy="3099900"/>
+          </a:xfrm>
+          <a:prstGeom prst="rect">
+            <a:avLst/>
+          </a:prstGeom>
+        </p:spPr>
+        <p:txBody>
+          <a:bodyPr anchorCtr="0" anchor="t" bIns="91425" lIns="91425" rIns="91425" wrap="square" tIns="91425">
+            <a:noAutofit/>
+          </a:bodyPr>
+          <a:lstStyle/>
+          <a:p>
+            <a:pPr indent="0" lvl="0" marL="0">
+              <a:spcBef>
+                <a:spcPts val="0"/>
+              </a:spcBef>
+              <a:buNone/>
+            </a:pPr>
+            <a:r>
+              <a:rPr lang="es"/>
+              <a:t>http://ontoology.linkeddata.es/publish/ontology-08/index-en.html</a:t>
+            </a:r>
+          </a:p>
+        </p:txBody>
+      </p:sp>
+      <p:pic>
+        <p:nvPicPr>
+          <p:cNvPr id="145" name="Shape 145"/>
+          <p:cNvPicPr preferRelativeResize="0"/>
+          <p:nvPr/>
+        </p:nvPicPr>
+        <p:blipFill>
+          <a:blip r:embed="rId3">
+            <a:alphaModFix/>
+          </a:blip>
+          <a:stretch>
+            <a:fillRect/>
+          </a:stretch>
+        </p:blipFill>
+        <p:spPr>
+          <a:xfrm>
+            <a:off x="0" y="1847100"/>
+            <a:ext cx="9144000" cy="3296400"/>
+          </a:xfrm>
+          <a:prstGeom prst="rect">
+            <a:avLst/>
+          </a:prstGeom>
+          <a:noFill/>
+          <a:ln>
+            <a:noFill/>
+          </a:ln>
+        </p:spPr>
+      </p:pic>
+    </p:spTree>
+  </p:cSld>
+  <p:clrMapOvr>
+    <a:masterClrMapping/>
+  </p:clrMapOvr>
+</p:sld>
+</file>
+
+<file path=ppt/slides/slide13.xml><?xml version="1.0" encoding="utf-8"?>
+<p:sld xmlns:a="http://schemas.openxmlformats.org/drawingml/2006/main" xmlns:r="http://schemas.openxmlformats.org/officeDocument/2006/relationships" xmlns:mc="http://schemas.openxmlformats.org/markup-compatibility/2006" xmlns:mv="urn:schemas-microsoft-com:mac:vml" xmlns:p="http://schemas.openxmlformats.org/presentationml/2006/main" xmlns:c="http://schemas.openxmlformats.org/drawingml/2006/chart" xmlns:dgm="http://schemas.openxmlformats.org/drawingml/2006/diagram" xmlns:o="urn:schemas-microsoft-com:office:office" xmlns:v="urn:schemas-microsoft-com:vml" xmlns:pvml="urn:schemas-microsoft-com:office:powerpoint" xmlns:com="http://schemas.openxmlformats.org/drawingml/2006/compatibility" xmlns:p14="http://schemas.microsoft.com/office/powerpoint/2010/main" xmlns:p15="http://schemas.microsoft.com/office/powerpoint/2012/main">
+  <p:cSld>
+    <p:spTree>
+      <p:nvGrpSpPr>
+        <p:cNvPr id="149" name="Shape 149"/>
+        <p:cNvGrpSpPr/>
+        <p:nvPr/>
+      </p:nvGrpSpPr>
+      <p:grpSpPr>
+        <a:xfrm>
+          <a:off x="0" y="0"/>
+          <a:ext cx="0" cy="0"/>
+          <a:chOff x="0" y="0"/>
+          <a:chExt cx="0" cy="0"/>
+        </a:xfrm>
+      </p:grpSpPr>
+      <p:sp>
+        <p:nvSpPr>
+          <p:cNvPr id="150" name="Shape 150"/>
           <p:cNvSpPr txBox="1"/>
           <p:nvPr>
             <p:ph type="title"/>
@@ -5736,6 +6469,60 @@
             </a:r>
           </a:p>
         </p:txBody>
+      </p:sp>
+    </p:spTree>
+  </p:cSld>
+  <p:clrMapOvr>
+    <a:masterClrMapping/>
+  </p:clrMapOvr>
+</p:sld>
+</file>
+
+<file path=ppt/slides/slide14.xml><?xml version="1.0" encoding="utf-8"?>
+<p:sld xmlns:a="http://schemas.openxmlformats.org/drawingml/2006/main" xmlns:r="http://schemas.openxmlformats.org/officeDocument/2006/relationships" xmlns:mc="http://schemas.openxmlformats.org/markup-compatibility/2006" xmlns:mv="urn:schemas-microsoft-com:mac:vml" xmlns:p="http://schemas.openxmlformats.org/presentationml/2006/main" xmlns:c="http://schemas.openxmlformats.org/drawingml/2006/chart" xmlns:dgm="http://schemas.openxmlformats.org/drawingml/2006/diagram" xmlns:o="urn:schemas-microsoft-com:office:office" xmlns:v="urn:schemas-microsoft-com:vml" xmlns:pvml="urn:schemas-microsoft-com:office:powerpoint" xmlns:com="http://schemas.openxmlformats.org/drawingml/2006/compatibility" xmlns:p14="http://schemas.microsoft.com/office/powerpoint/2010/main" xmlns:p15="http://schemas.microsoft.com/office/powerpoint/2012/main">
+  <p:cSld>
+    <p:spTree>
+      <p:nvGrpSpPr>
+        <p:cNvPr id="154" name="Shape 154"/>
+        <p:cNvGrpSpPr/>
+        <p:nvPr/>
+      </p:nvGrpSpPr>
+      <p:grpSpPr>
+        <a:xfrm>
+          <a:off x="0" y="0"/>
+          <a:ext cx="0" cy="0"/>
+          <a:chOff x="0" y="0"/>
+          <a:chExt cx="0" cy="0"/>
+        </a:xfrm>
+      </p:grpSpPr>
+      <p:sp>
+        <p:nvSpPr>
+          <p:cNvPr id="155" name="Shape 155" title="Demostracion Aplicacion">
+            <a:hlinkClick r:id="rId3"/>
+          </p:cNvPr>
+          <p:cNvSpPr/>
+          <p:nvPr/>
+        </p:nvSpPr>
+        <p:spPr>
+          <a:xfrm>
+            <a:off x="0" y="0"/>
+            <a:ext cx="9144000" cy="5143500"/>
+          </a:xfrm>
+          <a:prstGeom prst="rect">
+            <a:avLst/>
+          </a:prstGeom>
+          <a:blipFill>
+            <a:blip r:embed="rId4">
+              <a:alphaModFix/>
+            </a:blip>
+            <a:stretch>
+              <a:fillRect/>
+            </a:stretch>
+          </a:blipFill>
+          <a:ln>
+            <a:noFill/>
+          </a:ln>
+        </p:spPr>
       </p:sp>
     </p:spTree>
   </p:cSld>
@@ -6292,8 +7079,36 @@
         </p:blipFill>
         <p:spPr>
           <a:xfrm>
-            <a:off x="2717950" y="2454350"/>
+            <a:off x="705400" y="2574475"/>
             <a:ext cx="2652802" cy="2419524"/>
+          </a:xfrm>
+          <a:prstGeom prst="rect">
+            <a:avLst/>
+          </a:prstGeom>
+          <a:noFill/>
+          <a:ln>
+            <a:noFill/>
+          </a:ln>
+        </p:spPr>
+      </p:pic>
+      <p:pic>
+        <p:nvPicPr>
+          <p:cNvPr id="93" name="Shape 93"/>
+          <p:cNvPicPr preferRelativeResize="0"/>
+          <p:nvPr/>
+        </p:nvPicPr>
+        <p:blipFill>
+          <a:blip r:embed="rId6">
+            <a:alphaModFix/>
+          </a:blip>
+          <a:stretch>
+            <a:fillRect/>
+          </a:stretch>
+        </p:blipFill>
+        <p:spPr>
+          <a:xfrm>
+            <a:off x="3853300" y="2720851"/>
+            <a:ext cx="4217292" cy="2273150"/>
           </a:xfrm>
           <a:prstGeom prst="rect">
             <a:avLst/>
@@ -6317,7 +7132,7 @@
   <p:cSld>
     <p:spTree>
       <p:nvGrpSpPr>
-        <p:cNvPr id="96" name="Shape 96"/>
+        <p:cNvPr id="97" name="Shape 97"/>
         <p:cNvGrpSpPr/>
         <p:nvPr/>
       </p:nvGrpSpPr>
@@ -6331,7 +7146,7 @@
       </p:grpSpPr>
       <p:sp>
         <p:nvSpPr>
-          <p:cNvPr id="97" name="Shape 97"/>
+          <p:cNvPr id="98" name="Shape 98"/>
           <p:cNvSpPr txBox="1"/>
           <p:nvPr>
             <p:ph type="title"/>
@@ -6367,7 +7182,7 @@
       </p:sp>
       <p:pic>
         <p:nvPicPr>
-          <p:cNvPr id="98" name="Shape 98"/>
+          <p:cNvPr id="99" name="Shape 99"/>
           <p:cNvPicPr preferRelativeResize="0"/>
           <p:nvPr/>
         </p:nvPicPr>
@@ -6394,7 +7209,7 @@
       </p:pic>
       <p:pic>
         <p:nvPicPr>
-          <p:cNvPr id="99" name="Shape 99"/>
+          <p:cNvPr id="100" name="Shape 100"/>
           <p:cNvPicPr preferRelativeResize="0"/>
           <p:nvPr/>
         </p:nvPicPr>
@@ -6421,9 +7236,9 @@
       </p:pic>
       <p:cxnSp>
         <p:nvCxnSpPr>
-          <p:cNvPr id="100" name="Shape 100"/>
+          <p:cNvPr id="101" name="Shape 101"/>
           <p:cNvCxnSpPr>
-            <a:endCxn id="99" idx="0"/>
+            <a:endCxn id="100" idx="0"/>
           </p:cNvCxnSpPr>
           <p:nvPr/>
         </p:nvCxnSpPr>
@@ -6449,7 +7264,7 @@
       </p:cxnSp>
       <p:sp>
         <p:nvSpPr>
-          <p:cNvPr id="101" name="Shape 101"/>
+          <p:cNvPr id="102" name="Shape 102"/>
           <p:cNvSpPr txBox="1"/>
           <p:nvPr/>
         </p:nvSpPr>
@@ -6487,7 +7302,7 @@
       </p:sp>
       <p:sp>
         <p:nvSpPr>
-          <p:cNvPr id="102" name="Shape 102"/>
+          <p:cNvPr id="103" name="Shape 103"/>
           <p:cNvSpPr txBox="1"/>
           <p:nvPr/>
         </p:nvSpPr>
@@ -6529,13 +7344,13 @@
       </p:sp>
       <p:sp>
         <p:nvSpPr>
-          <p:cNvPr id="103" name="Shape 103"/>
+          <p:cNvPr id="104" name="Shape 104"/>
           <p:cNvSpPr txBox="1"/>
           <p:nvPr/>
         </p:nvSpPr>
         <p:spPr>
           <a:xfrm>
-            <a:off x="717375" y="4414850"/>
+            <a:off x="798550" y="3984550"/>
             <a:ext cx="7640100" cy="365400"/>
           </a:xfrm>
           <a:prstGeom prst="rect">
@@ -6597,7 +7412,7 @@
   <p:cSld>
     <p:spTree>
       <p:nvGrpSpPr>
-        <p:cNvPr id="107" name="Shape 107"/>
+        <p:cNvPr id="108" name="Shape 108"/>
         <p:cNvGrpSpPr/>
         <p:nvPr/>
       </p:nvGrpSpPr>
@@ -6611,7 +7426,7 @@
       </p:grpSpPr>
       <p:sp>
         <p:nvSpPr>
-          <p:cNvPr id="108" name="Shape 108"/>
+          <p:cNvPr id="109" name="Shape 109"/>
           <p:cNvSpPr txBox="1"/>
           <p:nvPr>
             <p:ph type="title"/>
@@ -6647,7 +7462,7 @@
       </p:sp>
       <p:pic>
         <p:nvPicPr>
-          <p:cNvPr id="109" name="Shape 109"/>
+          <p:cNvPr id="110" name="Shape 110"/>
           <p:cNvPicPr preferRelativeResize="0"/>
           <p:nvPr/>
         </p:nvPicPr>
@@ -6674,7 +7489,7 @@
       </p:pic>
       <p:pic>
         <p:nvPicPr>
-          <p:cNvPr id="110" name="Shape 110"/>
+          <p:cNvPr id="111" name="Shape 111"/>
           <p:cNvPicPr preferRelativeResize="0"/>
           <p:nvPr/>
         </p:nvPicPr>
@@ -6687,7 +7502,7 @@
         </p:blipFill>
         <p:spPr>
           <a:xfrm>
-            <a:off x="3302750" y="924200"/>
+            <a:off x="3310050" y="924200"/>
             <a:ext cx="3744523" cy="4219301"/>
           </a:xfrm>
           <a:prstGeom prst="rect">
@@ -6712,7 +7527,7 @@
   <p:cSld>
     <p:spTree>
       <p:nvGrpSpPr>
-        <p:cNvPr id="114" name="Shape 114"/>
+        <p:cNvPr id="115" name="Shape 115"/>
         <p:cNvGrpSpPr/>
         <p:nvPr/>
       </p:nvGrpSpPr>
@@ -6726,7 +7541,7 @@
       </p:grpSpPr>
       <p:sp>
         <p:nvSpPr>
-          <p:cNvPr id="115" name="Shape 115"/>
+          <p:cNvPr id="116" name="Shape 116"/>
           <p:cNvSpPr txBox="1"/>
           <p:nvPr>
             <p:ph type="title"/>
@@ -6755,14 +7570,18 @@
             </a:pPr>
             <a:r>
               <a:rPr lang="es"/>
-              <a:t>Ontology Reuse - RDF creation</a:t>
+              <a:t>Ontology </a:t>
+            </a:r>
+            <a:r>
+              <a:rPr lang="es"/>
+              <a:t>Reuse - RDF creation</a:t>
             </a:r>
           </a:p>
         </p:txBody>
       </p:sp>
       <p:pic>
         <p:nvPicPr>
-          <p:cNvPr id="116" name="Shape 116"/>
+          <p:cNvPr id="117" name="Shape 117"/>
           <p:cNvPicPr preferRelativeResize="0"/>
           <p:nvPr/>
         </p:nvPicPr>
@@ -6789,7 +7608,7 @@
       </p:pic>
       <p:pic>
         <p:nvPicPr>
-          <p:cNvPr id="117" name="Shape 117"/>
+          <p:cNvPr id="118" name="Shape 118"/>
           <p:cNvPicPr preferRelativeResize="0"/>
           <p:nvPr/>
         </p:nvPicPr>
@@ -6827,7 +7646,7 @@
   <p:cSld>
     <p:spTree>
       <p:nvGrpSpPr>
-        <p:cNvPr id="121" name="Shape 121"/>
+        <p:cNvPr id="122" name="Shape 122"/>
         <p:cNvGrpSpPr/>
         <p:nvPr/>
       </p:nvGrpSpPr>
@@ -6841,7 +7660,7 @@
       </p:grpSpPr>
       <p:sp>
         <p:nvSpPr>
-          <p:cNvPr id="122" name="Shape 122"/>
+          <p:cNvPr id="123" name="Shape 123"/>
           <p:cNvSpPr txBox="1"/>
           <p:nvPr>
             <p:ph type="title"/>
@@ -6849,7 +7668,7 @@
         </p:nvSpPr>
         <p:spPr>
           <a:xfrm>
-            <a:off x="311700" y="228575"/>
+            <a:off x="311700" y="372500"/>
             <a:ext cx="8520600" cy="733500"/>
           </a:xfrm>
           <a:prstGeom prst="rect">
@@ -6862,7 +7681,7 @@
           </a:bodyPr>
           <a:lstStyle/>
           <a:p>
-            <a:pPr indent="0" lvl="0" marL="0" rtl="0">
+            <a:pPr indent="0" lvl="0" marL="0">
               <a:spcBef>
                 <a:spcPts val="0"/>
               </a:spcBef>
@@ -6870,21 +7689,29 @@
             </a:pPr>
             <a:r>
               <a:rPr lang="es"/>
-              <a:t>Data Linking</a:t>
+              <a:t>Ontology Publishing - Metadata</a:t>
             </a:r>
           </a:p>
         </p:txBody>
       </p:sp>
-      <p:sp>
-        <p:nvSpPr>
-          <p:cNvPr id="123" name="Shape 123"/>
-          <p:cNvSpPr txBox="1"/>
+      <p:pic>
+        <p:nvPicPr>
+          <p:cNvPr id="124" name="Shape 124"/>
+          <p:cNvPicPr preferRelativeResize="0"/>
           <p:nvPr/>
-        </p:nvSpPr>
-        <p:spPr>
-          <a:xfrm>
-            <a:off x="676775" y="1788950"/>
-            <a:ext cx="7566300" cy="1015200"/>
+        </p:nvPicPr>
+        <p:blipFill>
+          <a:blip r:embed="rId3">
+            <a:alphaModFix/>
+          </a:blip>
+          <a:stretch>
+            <a:fillRect/>
+          </a:stretch>
+        </p:blipFill>
+        <p:spPr>
+          <a:xfrm>
+            <a:off x="4354450" y="1341100"/>
+            <a:ext cx="4646675" cy="2371950"/>
           </a:xfrm>
           <a:prstGeom prst="rect">
             <a:avLst/>
@@ -6894,25 +7721,35 @@
             <a:noFill/>
           </a:ln>
         </p:spPr>
-        <p:txBody>
-          <a:bodyPr anchorCtr="0" anchor="t" bIns="91425" lIns="91425" rIns="91425" wrap="square" tIns="91425">
-            <a:noAutofit/>
-          </a:bodyPr>
-          <a:lstStyle/>
-          <a:p>
-            <a:pPr indent="0" lvl="0" marL="0">
-              <a:spcBef>
-                <a:spcPts val="0"/>
-              </a:spcBef>
-              <a:buNone/>
-            </a:pPr>
-            <a:r>
-              <a:rPr lang="es" sz="3000"/>
-              <a:t>No columns of our data could be linked </a:t>
-            </a:r>
-          </a:p>
-        </p:txBody>
-      </p:sp>
+      </p:pic>
+      <p:pic>
+        <p:nvPicPr>
+          <p:cNvPr id="125" name="Shape 125"/>
+          <p:cNvPicPr preferRelativeResize="0"/>
+          <p:nvPr/>
+        </p:nvPicPr>
+        <p:blipFill>
+          <a:blip r:embed="rId4">
+            <a:alphaModFix/>
+          </a:blip>
+          <a:stretch>
+            <a:fillRect/>
+          </a:stretch>
+        </p:blipFill>
+        <p:spPr>
+          <a:xfrm>
+            <a:off x="120000" y="1341100"/>
+            <a:ext cx="4234450" cy="3597825"/>
+          </a:xfrm>
+          <a:prstGeom prst="rect">
+            <a:avLst/>
+          </a:prstGeom>
+          <a:noFill/>
+          <a:ln>
+            <a:noFill/>
+          </a:ln>
+        </p:spPr>
+      </p:pic>
     </p:spTree>
   </p:cSld>
   <p:clrMapOvr>
@@ -6922,6 +7759,285 @@
 </file>
 
 <file path=ppt/theme/theme1.xml><?xml version="1.0" encoding="utf-8"?>
+<a:theme xmlns:a="http://schemas.openxmlformats.org/drawingml/2006/main" xmlns:r="http://schemas.openxmlformats.org/officeDocument/2006/relationships" name="Modern Writer">
+  <a:themeElements>
+    <a:clrScheme name="Modern Writer">
+      <a:dk1>
+        <a:srgbClr val="E91D63"/>
+      </a:dk1>
+      <a:lt1>
+        <a:srgbClr val="FFFFFF"/>
+      </a:lt1>
+      <a:dk2>
+        <a:srgbClr val="424242"/>
+      </a:dk2>
+      <a:lt2>
+        <a:srgbClr val="999999"/>
+      </a:lt2>
+      <a:accent1>
+        <a:srgbClr val="607D8B"/>
+      </a:accent1>
+      <a:accent2>
+        <a:srgbClr val="673AB7"/>
+      </a:accent2>
+      <a:accent3>
+        <a:srgbClr val="9C26B0"/>
+      </a:accent3>
+      <a:accent4>
+        <a:srgbClr val="0090AC"/>
+      </a:accent4>
+      <a:accent5>
+        <a:srgbClr val="01AFD1"/>
+      </a:accent5>
+      <a:accent6>
+        <a:srgbClr val="F8E71C"/>
+      </a:accent6>
+      <a:hlink>
+        <a:srgbClr val="01AFD1"/>
+      </a:hlink>
+      <a:folHlink>
+        <a:srgbClr val="01AFD1"/>
+      </a:folHlink>
+    </a:clrScheme>
+    <a:fontScheme name="Office">
+      <a:majorFont>
+        <a:latin typeface="Arial"/>
+        <a:ea typeface=""/>
+        <a:cs typeface=""/>
+        <a:font script="Jpan" typeface="ＭＳ Ｐゴシック"/>
+        <a:font script="Hang" typeface="맑은 고딕"/>
+        <a:font script="Hans" typeface="宋体"/>
+        <a:font script="Hant" typeface="新細明體"/>
+        <a:font script="Arab" typeface="Times New Roman"/>
+        <a:font script="Hebr" typeface="Times New Roman"/>
+        <a:font script="Thai" typeface="Angsana New"/>
+        <a:font script="Ethi" typeface="Nyala"/>
+        <a:font script="Beng" typeface="Vrinda"/>
+        <a:font script="Gujr" typeface="Shruti"/>
+        <a:font script="Khmr" typeface="MoolBoran"/>
+        <a:font script="Knda" typeface="Tunga"/>
+        <a:font script="Guru" typeface="Raavi"/>
+        <a:font script="Cans" typeface="Euphemia"/>
+        <a:font script="Cher" typeface="Plantagenet Cherokee"/>
+        <a:font script="Yiii" typeface="Microsoft Yi Baiti"/>
+        <a:font script="Tibt" typeface="Microsoft Himalaya"/>
+        <a:font script="Thaa" typeface="MV Boli"/>
+        <a:font script="Deva" typeface="Mangal"/>
+        <a:font script="Telu" typeface="Gautami"/>
+        <a:font script="Taml" typeface="Latha"/>
+        <a:font script="Syrc" typeface="Estrangelo Edessa"/>
+        <a:font script="Orya" typeface="Kalinga"/>
+        <a:font script="Mlym" typeface="Kartika"/>
+        <a:font script="Laoo" typeface="DokChampa"/>
+        <a:font script="Sinh" typeface="Iskoola Pota"/>
+        <a:font script="Mong" typeface="Mongolian Baiti"/>
+        <a:font script="Viet" typeface="Times New Roman"/>
+        <a:font script="Uigh" typeface="Microsoft Uighur"/>
+        <a:font script="Geor" typeface="Sylfaen"/>
+      </a:majorFont>
+      <a:minorFont>
+        <a:latin typeface="Arial"/>
+        <a:ea typeface=""/>
+        <a:cs typeface=""/>
+        <a:font script="Jpan" typeface="ＭＳ Ｐゴシック"/>
+        <a:font script="Hang" typeface="맑은 고딕"/>
+        <a:font script="Hans" typeface="宋体"/>
+        <a:font script="Hant" typeface="新細明體"/>
+        <a:font script="Arab" typeface="Arial"/>
+        <a:font script="Hebr" typeface="Arial"/>
+        <a:font script="Thai" typeface="Cordia New"/>
+        <a:font script="Ethi" typeface="Nyala"/>
+        <a:font script="Beng" typeface="Vrinda"/>
+        <a:font script="Gujr" typeface="Shruti"/>
+        <a:font script="Khmr" typeface="DaunPenh"/>
+        <a:font script="Knda" typeface="Tunga"/>
+        <a:font script="Guru" typeface="Raavi"/>
+        <a:font script="Cans" typeface="Euphemia"/>
+        <a:font script="Cher" typeface="Plantagenet Cherokee"/>
+        <a:font script="Yiii" typeface="Microsoft Yi Baiti"/>
+        <a:font script="Tibt" typeface="Microsoft Himalaya"/>
+        <a:font script="Thaa" typeface="MV Boli"/>
+        <a:font script="Deva" typeface="Mangal"/>
+        <a:font script="Telu" typeface="Gautami"/>
+        <a:font script="Taml" typeface="Latha"/>
+        <a:font script="Syrc" typeface="Estrangelo Edessa"/>
+        <a:font script="Orya" typeface="Kalinga"/>
+        <a:font script="Mlym" typeface="Kartika"/>
+        <a:font script="Laoo" typeface="DokChampa"/>
+        <a:font script="Sinh" typeface="Iskoola Pota"/>
+        <a:font script="Mong" typeface="Mongolian Baiti"/>
+        <a:font script="Viet" typeface="Arial"/>
+        <a:font script="Uigh" typeface="Microsoft Uighur"/>
+        <a:font script="Geor" typeface="Sylfaen"/>
+      </a:minorFont>
+    </a:fontScheme>
+    <a:fmtScheme name="Office">
+      <a:fillStyleLst>
+        <a:solidFill>
+          <a:schemeClr val="phClr"/>
+        </a:solidFill>
+        <a:gradFill rotWithShape="1">
+          <a:gsLst>
+            <a:gs pos="0">
+              <a:schemeClr val="phClr">
+                <a:tint val="50000"/>
+                <a:satMod val="300000"/>
+              </a:schemeClr>
+            </a:gs>
+            <a:gs pos="35000">
+              <a:schemeClr val="phClr">
+                <a:tint val="37000"/>
+                <a:satMod val="300000"/>
+              </a:schemeClr>
+            </a:gs>
+            <a:gs pos="100000">
+              <a:schemeClr val="phClr">
+                <a:tint val="15000"/>
+                <a:satMod val="350000"/>
+              </a:schemeClr>
+            </a:gs>
+          </a:gsLst>
+          <a:lin ang="16200000" scaled="1"/>
+        </a:gradFill>
+        <a:gradFill rotWithShape="1">
+          <a:gsLst>
+            <a:gs pos="0">
+              <a:schemeClr val="phClr">
+                <a:tint val="100000"/>
+                <a:shade val="100000"/>
+                <a:satMod val="130000"/>
+              </a:schemeClr>
+            </a:gs>
+            <a:gs pos="100000">
+              <a:schemeClr val="phClr">
+                <a:tint val="50000"/>
+                <a:shade val="100000"/>
+                <a:satMod val="350000"/>
+              </a:schemeClr>
+            </a:gs>
+          </a:gsLst>
+          <a:lin ang="16200000" scaled="0"/>
+        </a:gradFill>
+      </a:fillStyleLst>
+      <a:lnStyleLst>
+        <a:ln w="9525" cap="flat" cmpd="sng" algn="ctr">
+          <a:solidFill>
+            <a:schemeClr val="phClr">
+              <a:shade val="95000"/>
+              <a:satMod val="105000"/>
+            </a:schemeClr>
+          </a:solidFill>
+          <a:prstDash val="solid"/>
+        </a:ln>
+        <a:ln w="25400" cap="flat" cmpd="sng" algn="ctr">
+          <a:solidFill>
+            <a:schemeClr val="phClr"/>
+          </a:solidFill>
+          <a:prstDash val="solid"/>
+        </a:ln>
+        <a:ln w="38100" cap="flat" cmpd="sng" algn="ctr">
+          <a:solidFill>
+            <a:schemeClr val="phClr"/>
+          </a:solidFill>
+          <a:prstDash val="solid"/>
+        </a:ln>
+      </a:lnStyleLst>
+      <a:effectStyleLst>
+        <a:effectStyle>
+          <a:effectLst>
+            <a:outerShdw blurRad="40000" dist="20000" dir="5400000" rotWithShape="0">
+              <a:srgbClr val="000000">
+                <a:alpha val="38000"/>
+              </a:srgbClr>
+            </a:outerShdw>
+          </a:effectLst>
+        </a:effectStyle>
+        <a:effectStyle>
+          <a:effectLst>
+            <a:outerShdw blurRad="40000" dist="23000" dir="5400000" rotWithShape="0">
+              <a:srgbClr val="000000">
+                <a:alpha val="35000"/>
+              </a:srgbClr>
+            </a:outerShdw>
+          </a:effectLst>
+        </a:effectStyle>
+        <a:effectStyle>
+          <a:effectLst>
+            <a:outerShdw blurRad="40000" dist="23000" dir="5400000" rotWithShape="0">
+              <a:srgbClr val="000000">
+                <a:alpha val="35000"/>
+              </a:srgbClr>
+            </a:outerShdw>
+          </a:effectLst>
+          <a:scene3d>
+            <a:camera prst="orthographicFront">
+              <a:rot lat="0" lon="0" rev="0"/>
+            </a:camera>
+            <a:lightRig rig="threePt" dir="t">
+              <a:rot lat="0" lon="0" rev="1200000"/>
+            </a:lightRig>
+          </a:scene3d>
+          <a:sp3d>
+            <a:bevelT w="63500" h="25400"/>
+          </a:sp3d>
+        </a:effectStyle>
+      </a:effectStyleLst>
+      <a:bgFillStyleLst>
+        <a:solidFill>
+          <a:schemeClr val="phClr"/>
+        </a:solidFill>
+        <a:gradFill rotWithShape="1">
+          <a:gsLst>
+            <a:gs pos="0">
+              <a:schemeClr val="phClr">
+                <a:tint val="40000"/>
+                <a:satMod val="350000"/>
+              </a:schemeClr>
+            </a:gs>
+            <a:gs pos="40000">
+              <a:schemeClr val="phClr">
+                <a:tint val="45000"/>
+                <a:shade val="99000"/>
+                <a:satMod val="350000"/>
+              </a:schemeClr>
+            </a:gs>
+            <a:gs pos="100000">
+              <a:schemeClr val="phClr">
+                <a:shade val="20000"/>
+                <a:satMod val="255000"/>
+              </a:schemeClr>
+            </a:gs>
+          </a:gsLst>
+          <a:path path="circle">
+            <a:fillToRect l="50000" t="-80000" r="50000" b="180000"/>
+          </a:path>
+        </a:gradFill>
+        <a:gradFill rotWithShape="1">
+          <a:gsLst>
+            <a:gs pos="0">
+              <a:schemeClr val="phClr">
+                <a:tint val="80000"/>
+                <a:satMod val="300000"/>
+              </a:schemeClr>
+            </a:gs>
+            <a:gs pos="100000">
+              <a:schemeClr val="phClr">
+                <a:shade val="30000"/>
+                <a:satMod val="200000"/>
+              </a:schemeClr>
+            </a:gs>
+          </a:gsLst>
+          <a:path path="circle">
+            <a:fillToRect l="50000" t="50000" r="50000" b="50000"/>
+          </a:path>
+        </a:gradFill>
+      </a:bgFillStyleLst>
+    </a:fmtScheme>
+  </a:themeElements>
+</a:theme>
+</file>
+
+<file path=ppt/theme/theme2.xml><?xml version="1.0" encoding="utf-8"?>
 <a:theme xmlns:a="http://schemas.openxmlformats.org/drawingml/2006/main" xmlns:r="http://schemas.openxmlformats.org/officeDocument/2006/relationships" name="Custom Theme">
   <a:themeElements>
     <a:clrScheme name="Default">
@@ -7198,283 +8314,4 @@
     </a:fmtScheme>
   </a:themeElements>
 </a:theme>
-</file>
-
-<file path=ppt/theme/theme2.xml><?xml version="1.0" encoding="utf-8"?>
-<a:theme xmlns:a="http://schemas.openxmlformats.org/drawingml/2006/main" xmlns:r="http://schemas.openxmlformats.org/officeDocument/2006/relationships" name="Modern Writer">
-  <a:themeElements>
-    <a:clrScheme name="Modern Writer">
-      <a:dk1>
-        <a:srgbClr val="E91D63"/>
-      </a:dk1>
-      <a:lt1>
-        <a:srgbClr val="FFFFFF"/>
-      </a:lt1>
-      <a:dk2>
-        <a:srgbClr val="424242"/>
-      </a:dk2>
-      <a:lt2>
-        <a:srgbClr val="999999"/>
-      </a:lt2>
-      <a:accent1>
-        <a:srgbClr val="607D8B"/>
-      </a:accent1>
-      <a:accent2>
-        <a:srgbClr val="673AB7"/>
-      </a:accent2>
-      <a:accent3>
-        <a:srgbClr val="9C26B0"/>
-      </a:accent3>
-      <a:accent4>
-        <a:srgbClr val="0090AC"/>
-      </a:accent4>
-      <a:accent5>
-        <a:srgbClr val="01AFD1"/>
-      </a:accent5>
-      <a:accent6>
-        <a:srgbClr val="F8E71C"/>
-      </a:accent6>
-      <a:hlink>
-        <a:srgbClr val="01AFD1"/>
-      </a:hlink>
-      <a:folHlink>
-        <a:srgbClr val="01AFD1"/>
-      </a:folHlink>
-    </a:clrScheme>
-    <a:fontScheme name="Office">
-      <a:majorFont>
-        <a:latin typeface="Arial"/>
-        <a:ea typeface=""/>
-        <a:cs typeface=""/>
-        <a:font script="Jpan" typeface="ＭＳ Ｐゴシック"/>
-        <a:font script="Hang" typeface="맑은 고딕"/>
-        <a:font script="Hans" typeface="宋体"/>
-        <a:font script="Hant" typeface="新細明體"/>
-        <a:font script="Arab" typeface="Times New Roman"/>
-        <a:font script="Hebr" typeface="Times New Roman"/>
-        <a:font script="Thai" typeface="Angsana New"/>
-        <a:font script="Ethi" typeface="Nyala"/>
-        <a:font script="Beng" typeface="Vrinda"/>
-        <a:font script="Gujr" typeface="Shruti"/>
-        <a:font script="Khmr" typeface="MoolBoran"/>
-        <a:font script="Knda" typeface="Tunga"/>
-        <a:font script="Guru" typeface="Raavi"/>
-        <a:font script="Cans" typeface="Euphemia"/>
-        <a:font script="Cher" typeface="Plantagenet Cherokee"/>
-        <a:font script="Yiii" typeface="Microsoft Yi Baiti"/>
-        <a:font script="Tibt" typeface="Microsoft Himalaya"/>
-        <a:font script="Thaa" typeface="MV Boli"/>
-        <a:font script="Deva" typeface="Mangal"/>
-        <a:font script="Telu" typeface="Gautami"/>
-        <a:font script="Taml" typeface="Latha"/>
-        <a:font script="Syrc" typeface="Estrangelo Edessa"/>
-        <a:font script="Orya" typeface="Kalinga"/>
-        <a:font script="Mlym" typeface="Kartika"/>
-        <a:font script="Laoo" typeface="DokChampa"/>
-        <a:font script="Sinh" typeface="Iskoola Pota"/>
-        <a:font script="Mong" typeface="Mongolian Baiti"/>
-        <a:font script="Viet" typeface="Times New Roman"/>
-        <a:font script="Uigh" typeface="Microsoft Uighur"/>
-        <a:font script="Geor" typeface="Sylfaen"/>
-      </a:majorFont>
-      <a:minorFont>
-        <a:latin typeface="Arial"/>
-        <a:ea typeface=""/>
-        <a:cs typeface=""/>
-        <a:font script="Jpan" typeface="ＭＳ Ｐゴシック"/>
-        <a:font script="Hang" typeface="맑은 고딕"/>
-        <a:font script="Hans" typeface="宋体"/>
-        <a:font script="Hant" typeface="新細明體"/>
-        <a:font script="Arab" typeface="Arial"/>
-        <a:font script="Hebr" typeface="Arial"/>
-        <a:font script="Thai" typeface="Cordia New"/>
-        <a:font script="Ethi" typeface="Nyala"/>
-        <a:font script="Beng" typeface="Vrinda"/>
-        <a:font script="Gujr" typeface="Shruti"/>
-        <a:font script="Khmr" typeface="DaunPenh"/>
-        <a:font script="Knda" typeface="Tunga"/>
-        <a:font script="Guru" typeface="Raavi"/>
-        <a:font script="Cans" typeface="Euphemia"/>
-        <a:font script="Cher" typeface="Plantagenet Cherokee"/>
-        <a:font script="Yiii" typeface="Microsoft Yi Baiti"/>
-        <a:font script="Tibt" typeface="Microsoft Himalaya"/>
-        <a:font script="Thaa" typeface="MV Boli"/>
-        <a:font script="Deva" typeface="Mangal"/>
-        <a:font script="Telu" typeface="Gautami"/>
-        <a:font script="Taml" typeface="Latha"/>
-        <a:font script="Syrc" typeface="Estrangelo Edessa"/>
-        <a:font script="Orya" typeface="Kalinga"/>
-        <a:font script="Mlym" typeface="Kartika"/>
-        <a:font script="Laoo" typeface="DokChampa"/>
-        <a:font script="Sinh" typeface="Iskoola Pota"/>
-        <a:font script="Mong" typeface="Mongolian Baiti"/>
-        <a:font script="Viet" typeface="Arial"/>
-        <a:font script="Uigh" typeface="Microsoft Uighur"/>
-        <a:font script="Geor" typeface="Sylfaen"/>
-      </a:minorFont>
-    </a:fontScheme>
-    <a:fmtScheme name="Office">
-      <a:fillStyleLst>
-        <a:solidFill>
-          <a:schemeClr val="phClr"/>
-        </a:solidFill>
-        <a:gradFill rotWithShape="1">
-          <a:gsLst>
-            <a:gs pos="0">
-              <a:schemeClr val="phClr">
-                <a:tint val="50000"/>
-                <a:satMod val="300000"/>
-              </a:schemeClr>
-            </a:gs>
-            <a:gs pos="35000">
-              <a:schemeClr val="phClr">
-                <a:tint val="37000"/>
-                <a:satMod val="300000"/>
-              </a:schemeClr>
-            </a:gs>
-            <a:gs pos="100000">
-              <a:schemeClr val="phClr">
-                <a:tint val="15000"/>
-                <a:satMod val="350000"/>
-              </a:schemeClr>
-            </a:gs>
-          </a:gsLst>
-          <a:lin ang="16200000" scaled="1"/>
-        </a:gradFill>
-        <a:gradFill rotWithShape="1">
-          <a:gsLst>
-            <a:gs pos="0">
-              <a:schemeClr val="phClr">
-                <a:tint val="100000"/>
-                <a:shade val="100000"/>
-                <a:satMod val="130000"/>
-              </a:schemeClr>
-            </a:gs>
-            <a:gs pos="100000">
-              <a:schemeClr val="phClr">
-                <a:tint val="50000"/>
-                <a:shade val="100000"/>
-                <a:satMod val="350000"/>
-              </a:schemeClr>
-            </a:gs>
-          </a:gsLst>
-          <a:lin ang="16200000" scaled="0"/>
-        </a:gradFill>
-      </a:fillStyleLst>
-      <a:lnStyleLst>
-        <a:ln w="9525" cap="flat" cmpd="sng" algn="ctr">
-          <a:solidFill>
-            <a:schemeClr val="phClr">
-              <a:shade val="95000"/>
-              <a:satMod val="105000"/>
-            </a:schemeClr>
-          </a:solidFill>
-          <a:prstDash val="solid"/>
-        </a:ln>
-        <a:ln w="25400" cap="flat" cmpd="sng" algn="ctr">
-          <a:solidFill>
-            <a:schemeClr val="phClr"/>
-          </a:solidFill>
-          <a:prstDash val="solid"/>
-        </a:ln>
-        <a:ln w="38100" cap="flat" cmpd="sng" algn="ctr">
-          <a:solidFill>
-            <a:schemeClr val="phClr"/>
-          </a:solidFill>
-          <a:prstDash val="solid"/>
-        </a:ln>
-      </a:lnStyleLst>
-      <a:effectStyleLst>
-        <a:effectStyle>
-          <a:effectLst>
-            <a:outerShdw blurRad="40000" dist="20000" dir="5400000" rotWithShape="0">
-              <a:srgbClr val="000000">
-                <a:alpha val="38000"/>
-              </a:srgbClr>
-            </a:outerShdw>
-          </a:effectLst>
-        </a:effectStyle>
-        <a:effectStyle>
-          <a:effectLst>
-            <a:outerShdw blurRad="40000" dist="23000" dir="5400000" rotWithShape="0">
-              <a:srgbClr val="000000">
-                <a:alpha val="35000"/>
-              </a:srgbClr>
-            </a:outerShdw>
-          </a:effectLst>
-        </a:effectStyle>
-        <a:effectStyle>
-          <a:effectLst>
-            <a:outerShdw blurRad="40000" dist="23000" dir="5400000" rotWithShape="0">
-              <a:srgbClr val="000000">
-                <a:alpha val="35000"/>
-              </a:srgbClr>
-            </a:outerShdw>
-          </a:effectLst>
-          <a:scene3d>
-            <a:camera prst="orthographicFront">
-              <a:rot lat="0" lon="0" rev="0"/>
-            </a:camera>
-            <a:lightRig rig="threePt" dir="t">
-              <a:rot lat="0" lon="0" rev="1200000"/>
-            </a:lightRig>
-          </a:scene3d>
-          <a:sp3d>
-            <a:bevelT w="63500" h="25400"/>
-          </a:sp3d>
-        </a:effectStyle>
-      </a:effectStyleLst>
-      <a:bgFillStyleLst>
-        <a:solidFill>
-          <a:schemeClr val="phClr"/>
-        </a:solidFill>
-        <a:gradFill rotWithShape="1">
-          <a:gsLst>
-            <a:gs pos="0">
-              <a:schemeClr val="phClr">
-                <a:tint val="40000"/>
-                <a:satMod val="350000"/>
-              </a:schemeClr>
-            </a:gs>
-            <a:gs pos="40000">
-              <a:schemeClr val="phClr">
-                <a:tint val="45000"/>
-                <a:shade val="99000"/>
-                <a:satMod val="350000"/>
-              </a:schemeClr>
-            </a:gs>
-            <a:gs pos="100000">
-              <a:schemeClr val="phClr">
-                <a:shade val="20000"/>
-                <a:satMod val="255000"/>
-              </a:schemeClr>
-            </a:gs>
-          </a:gsLst>
-          <a:path path="circle">
-            <a:fillToRect l="50000" t="-80000" r="50000" b="180000"/>
-          </a:path>
-        </a:gradFill>
-        <a:gradFill rotWithShape="1">
-          <a:gsLst>
-            <a:gs pos="0">
-              <a:schemeClr val="phClr">
-                <a:tint val="80000"/>
-                <a:satMod val="300000"/>
-              </a:schemeClr>
-            </a:gs>
-            <a:gs pos="100000">
-              <a:schemeClr val="phClr">
-                <a:shade val="30000"/>
-                <a:satMod val="200000"/>
-              </a:schemeClr>
-            </a:gs>
-          </a:gsLst>
-          <a:path path="circle">
-            <a:fillToRect l="50000" t="50000" r="50000" b="50000"/>
-          </a:path>
-        </a:gradFill>
-      </a:bgFillStyleLst>
-    </a:fmtScheme>
-  </a:themeElements>
-</a:theme>
 </file>